--- a/발표자료/9주차/1113_유스케이스.pptx
+++ b/발표자료/9주차/1113_유스케이스.pptx
@@ -32,21 +32,21 @@
   <p:notesSz cx="6858000" cy="9144000"/>
   <p:embeddedFontLst>
     <p:embeddedFont>
-      <p:font typeface="나눔스퀘어" panose="020B0600000101010101" pitchFamily="50" charset="-127"/>
-      <p:regular r:id="rId22"/>
+      <p:font typeface="나눔스퀘어 ExtraBold" panose="020B0600000101010101" pitchFamily="50" charset="-127"/>
+      <p:bold r:id="rId22"/>
     </p:embeddedFont>
     <p:embeddedFont>
       <p:font typeface="나눔스퀘어 Bold" panose="020B0600000101010101" pitchFamily="50" charset="-127"/>
       <p:bold r:id="rId23"/>
     </p:embeddedFont>
     <p:embeddedFont>
-      <p:font typeface="나눔스퀘어 ExtraBold" panose="020B0600000101010101" pitchFamily="50" charset="-127"/>
-      <p:bold r:id="rId24"/>
+      <p:font typeface="맑은 고딕" panose="020B0503020000020004" pitchFamily="50" charset="-127"/>
+      <p:regular r:id="rId24"/>
+      <p:bold r:id="rId25"/>
     </p:embeddedFont>
     <p:embeddedFont>
-      <p:font typeface="맑은 고딕" panose="020B0503020000020004" pitchFamily="50" charset="-127"/>
-      <p:regular r:id="rId25"/>
-      <p:bold r:id="rId26"/>
+      <p:font typeface="나눔스퀘어" panose="020B0600000101010101" pitchFamily="50" charset="-127"/>
+      <p:regular r:id="rId26"/>
     </p:embeddedFont>
   </p:embeddedFontLst>
   <p:defaultTextStyle>
@@ -234,7 +234,7 @@
           <a:p>
             <a:fld id="{65D23535-CF18-473F-8142-07227A8BCF11}" type="datetimeFigureOut">
               <a:rPr lang="ko-KR" altLang="en-US" smtClean="0"/>
-              <a:t>2019-11-12</a:t>
+              <a:t>2019-11-14</a:t>
             </a:fld>
             <a:endParaRPr lang="ko-KR" altLang="en-US"/>
           </a:p>
@@ -2324,7 +2324,7 @@
           <p:cNvPr id="8" name="그림 7">
             <a:extLst>
               <a:ext uri="{FF2B5EF4-FFF2-40B4-BE49-F238E27FC236}">
-                <a16:creationId xmlns:a16="http://schemas.microsoft.com/office/drawing/2014/main" id="{E27E9905-9546-410D-87D0-93F1B5872DAC}"/>
+                <a16:creationId xmlns:a16="http://schemas.microsoft.com/office/drawing/2014/main" xmlns="" id="{E27E9905-9546-410D-87D0-93F1B5872DAC}"/>
               </a:ext>
             </a:extLst>
           </p:cNvPr>
@@ -2414,7 +2414,7 @@
           <p:cNvPr id="4" name="그림 3">
             <a:extLst>
               <a:ext uri="{FF2B5EF4-FFF2-40B4-BE49-F238E27FC236}">
-                <a16:creationId xmlns:a16="http://schemas.microsoft.com/office/drawing/2014/main" id="{957B0DBD-A01A-4702-9CCC-403AA26F52E8}"/>
+                <a16:creationId xmlns:a16="http://schemas.microsoft.com/office/drawing/2014/main" xmlns="" id="{957B0DBD-A01A-4702-9CCC-403AA26F52E8}"/>
               </a:ext>
             </a:extLst>
           </p:cNvPr>
@@ -2938,7 +2938,7 @@
           <p:cNvPr id="5" name="그림 4">
             <a:extLst>
               <a:ext uri="{FF2B5EF4-FFF2-40B4-BE49-F238E27FC236}">
-                <a16:creationId xmlns:a16="http://schemas.microsoft.com/office/drawing/2014/main" id="{2FA99264-31A0-458D-AED6-FF836F69D2CD}"/>
+                <a16:creationId xmlns:a16="http://schemas.microsoft.com/office/drawing/2014/main" xmlns="" id="{2FA99264-31A0-458D-AED6-FF836F69D2CD}"/>
               </a:ext>
             </a:extLst>
           </p:cNvPr>
@@ -2973,7 +2973,7 @@
           <p:cNvPr id="14" name="표 4">
             <a:extLst>
               <a:ext uri="{FF2B5EF4-FFF2-40B4-BE49-F238E27FC236}">
-                <a16:creationId xmlns:a16="http://schemas.microsoft.com/office/drawing/2014/main" id="{9C5FC82B-03E6-44CA-8982-998AECFAE9E1}"/>
+                <a16:creationId xmlns:a16="http://schemas.microsoft.com/office/drawing/2014/main" xmlns="" id="{9C5FC82B-03E6-44CA-8982-998AECFAE9E1}"/>
               </a:ext>
             </a:extLst>
           </p:cNvPr>
@@ -3002,14 +3002,14 @@
                 <a:gridCol w="1584643">
                   <a:extLst>
                     <a:ext uri="{9D8B030D-6E8A-4147-A177-3AD203B41FA5}">
-                      <a16:colId xmlns:a16="http://schemas.microsoft.com/office/drawing/2014/main" val="2976650750"/>
+                      <a16:colId xmlns:a16="http://schemas.microsoft.com/office/drawing/2014/main" xmlns="" val="2976650750"/>
                     </a:ext>
                   </a:extLst>
                 </a:gridCol>
                 <a:gridCol w="4403666">
                   <a:extLst>
                     <a:ext uri="{9D8B030D-6E8A-4147-A177-3AD203B41FA5}">
-                      <a16:colId xmlns:a16="http://schemas.microsoft.com/office/drawing/2014/main" val="1986540227"/>
+                      <a16:colId xmlns:a16="http://schemas.microsoft.com/office/drawing/2014/main" xmlns="" val="1986540227"/>
                     </a:ext>
                   </a:extLst>
                 </a:gridCol>
@@ -3139,7 +3139,7 @@
                 </a:tc>
                 <a:extLst>
                   <a:ext uri="{0D108BD9-81ED-4DB2-BD59-A6C34878D82A}">
-                    <a16:rowId xmlns:a16="http://schemas.microsoft.com/office/drawing/2014/main" val="1809988109"/>
+                    <a16:rowId xmlns:a16="http://schemas.microsoft.com/office/drawing/2014/main" xmlns="" val="1809988109"/>
                   </a:ext>
                 </a:extLst>
               </a:tr>
@@ -3265,7 +3265,7 @@
                 </a:tc>
                 <a:extLst>
                   <a:ext uri="{0D108BD9-81ED-4DB2-BD59-A6C34878D82A}">
-                    <a16:rowId xmlns:a16="http://schemas.microsoft.com/office/drawing/2014/main" val="557787794"/>
+                    <a16:rowId xmlns:a16="http://schemas.microsoft.com/office/drawing/2014/main" xmlns="" val="557787794"/>
                   </a:ext>
                 </a:extLst>
               </a:tr>
@@ -3387,7 +3387,7 @@
                 </a:tc>
                 <a:extLst>
                   <a:ext uri="{0D108BD9-81ED-4DB2-BD59-A6C34878D82A}">
-                    <a16:rowId xmlns:a16="http://schemas.microsoft.com/office/drawing/2014/main" val="473194082"/>
+                    <a16:rowId xmlns:a16="http://schemas.microsoft.com/office/drawing/2014/main" xmlns="" val="473194082"/>
                   </a:ext>
                 </a:extLst>
               </a:tr>
@@ -3513,7 +3513,7 @@
                 </a:tc>
                 <a:extLst>
                   <a:ext uri="{0D108BD9-81ED-4DB2-BD59-A6C34878D82A}">
-                    <a16:rowId xmlns:a16="http://schemas.microsoft.com/office/drawing/2014/main" val="1120644675"/>
+                    <a16:rowId xmlns:a16="http://schemas.microsoft.com/office/drawing/2014/main" xmlns="" val="1120644675"/>
                   </a:ext>
                 </a:extLst>
               </a:tr>
@@ -3556,7 +3556,7 @@
           <p:cNvPr id="8" name="TextBox 7">
             <a:extLst>
               <a:ext uri="{FF2B5EF4-FFF2-40B4-BE49-F238E27FC236}">
-                <a16:creationId xmlns:a16="http://schemas.microsoft.com/office/drawing/2014/main" id="{22448250-ECDC-417D-8839-33A25677F8C9}"/>
+                <a16:creationId xmlns:a16="http://schemas.microsoft.com/office/drawing/2014/main" xmlns="" id="{22448250-ECDC-417D-8839-33A25677F8C9}"/>
               </a:ext>
             </a:extLst>
           </p:cNvPr>
@@ -3627,7 +3627,7 @@
           <p:cNvPr id="3" name="그림 2">
             <a:extLst>
               <a:ext uri="{FF2B5EF4-FFF2-40B4-BE49-F238E27FC236}">
-                <a16:creationId xmlns:a16="http://schemas.microsoft.com/office/drawing/2014/main" id="{C398DDCA-A701-4E40-91B8-1FCF9EAC2666}"/>
+                <a16:creationId xmlns:a16="http://schemas.microsoft.com/office/drawing/2014/main" xmlns="" id="{C398DDCA-A701-4E40-91B8-1FCF9EAC2666}"/>
               </a:ext>
             </a:extLst>
           </p:cNvPr>
@@ -3644,8 +3644,32 @@
         </p:blipFill>
         <p:spPr>
           <a:xfrm>
-            <a:off x="2674984" y="1873993"/>
-            <a:ext cx="6842031" cy="3110014"/>
+            <a:off x="294000" y="1034749"/>
+            <a:ext cx="6100959" cy="2773163"/>
+          </a:xfrm>
+          <a:prstGeom prst="rect">
+            <a:avLst/>
+          </a:prstGeom>
+        </p:spPr>
+      </p:pic>
+      <p:pic>
+        <p:nvPicPr>
+          <p:cNvPr id="2" name="그림 1"/>
+          <p:cNvPicPr>
+            <a:picLocks noChangeAspect="1"/>
+          </p:cNvPicPr>
+          <p:nvPr/>
+        </p:nvPicPr>
+        <p:blipFill>
+          <a:blip r:embed="rId3"/>
+          <a:stretch>
+            <a:fillRect/>
+          </a:stretch>
+        </p:blipFill>
+        <p:spPr>
+          <a:xfrm>
+            <a:off x="5882731" y="2514600"/>
+            <a:ext cx="5762625" cy="3848100"/>
           </a:xfrm>
           <a:prstGeom prst="rect">
             <a:avLst/>
@@ -3687,7 +3711,7 @@
           <p:cNvPr id="8" name="TextBox 7">
             <a:extLst>
               <a:ext uri="{FF2B5EF4-FFF2-40B4-BE49-F238E27FC236}">
-                <a16:creationId xmlns:a16="http://schemas.microsoft.com/office/drawing/2014/main" id="{22448250-ECDC-417D-8839-33A25677F8C9}"/>
+                <a16:creationId xmlns:a16="http://schemas.microsoft.com/office/drawing/2014/main" xmlns="" id="{22448250-ECDC-417D-8839-33A25677F8C9}"/>
               </a:ext>
             </a:extLst>
           </p:cNvPr>
@@ -3758,7 +3782,7 @@
           <p:cNvPr id="3" name="그림 2">
             <a:extLst>
               <a:ext uri="{FF2B5EF4-FFF2-40B4-BE49-F238E27FC236}">
-                <a16:creationId xmlns:a16="http://schemas.microsoft.com/office/drawing/2014/main" id="{B53D6774-6617-4A7F-A1D5-400079D41D14}"/>
+                <a16:creationId xmlns:a16="http://schemas.microsoft.com/office/drawing/2014/main" xmlns="" id="{B53D6774-6617-4A7F-A1D5-400079D41D14}"/>
               </a:ext>
             </a:extLst>
           </p:cNvPr>
@@ -3818,7 +3842,7 @@
           <p:cNvPr id="8" name="TextBox 7">
             <a:extLst>
               <a:ext uri="{FF2B5EF4-FFF2-40B4-BE49-F238E27FC236}">
-                <a16:creationId xmlns:a16="http://schemas.microsoft.com/office/drawing/2014/main" id="{22448250-ECDC-417D-8839-33A25677F8C9}"/>
+                <a16:creationId xmlns:a16="http://schemas.microsoft.com/office/drawing/2014/main" xmlns="" id="{22448250-ECDC-417D-8839-33A25677F8C9}"/>
               </a:ext>
             </a:extLst>
           </p:cNvPr>
@@ -3889,7 +3913,7 @@
           <p:cNvPr id="5" name="그림 4">
             <a:extLst>
               <a:ext uri="{FF2B5EF4-FFF2-40B4-BE49-F238E27FC236}">
-                <a16:creationId xmlns:a16="http://schemas.microsoft.com/office/drawing/2014/main" id="{A45C80B9-FC25-4823-B4F5-E31733E41C2B}"/>
+                <a16:creationId xmlns:a16="http://schemas.microsoft.com/office/drawing/2014/main" xmlns="" id="{A45C80B9-FC25-4823-B4F5-E31733E41C2B}"/>
               </a:ext>
             </a:extLst>
           </p:cNvPr>
@@ -3919,7 +3943,7 @@
           <p:cNvPr id="6" name="그림 5">
             <a:extLst>
               <a:ext uri="{FF2B5EF4-FFF2-40B4-BE49-F238E27FC236}">
-                <a16:creationId xmlns:a16="http://schemas.microsoft.com/office/drawing/2014/main" id="{28D5B7A1-D15D-47CC-B31A-C782083534FA}"/>
+                <a16:creationId xmlns:a16="http://schemas.microsoft.com/office/drawing/2014/main" xmlns="" id="{28D5B7A1-D15D-47CC-B31A-C782083534FA}"/>
               </a:ext>
             </a:extLst>
           </p:cNvPr>
@@ -3979,7 +4003,7 @@
           <p:cNvPr id="8" name="TextBox 7">
             <a:extLst>
               <a:ext uri="{FF2B5EF4-FFF2-40B4-BE49-F238E27FC236}">
-                <a16:creationId xmlns:a16="http://schemas.microsoft.com/office/drawing/2014/main" id="{22448250-ECDC-417D-8839-33A25677F8C9}"/>
+                <a16:creationId xmlns:a16="http://schemas.microsoft.com/office/drawing/2014/main" xmlns="" id="{22448250-ECDC-417D-8839-33A25677F8C9}"/>
               </a:ext>
             </a:extLst>
           </p:cNvPr>
@@ -4050,7 +4074,7 @@
           <p:cNvPr id="3" name="그림 2">
             <a:extLst>
               <a:ext uri="{FF2B5EF4-FFF2-40B4-BE49-F238E27FC236}">
-                <a16:creationId xmlns:a16="http://schemas.microsoft.com/office/drawing/2014/main" id="{73E9DB90-6C57-4D7C-8988-7760B729CFCC}"/>
+                <a16:creationId xmlns:a16="http://schemas.microsoft.com/office/drawing/2014/main" xmlns="" id="{73E9DB90-6C57-4D7C-8988-7760B729CFCC}"/>
               </a:ext>
             </a:extLst>
           </p:cNvPr>
@@ -4080,7 +4104,7 @@
           <p:cNvPr id="4" name="그림 3">
             <a:extLst>
               <a:ext uri="{FF2B5EF4-FFF2-40B4-BE49-F238E27FC236}">
-                <a16:creationId xmlns:a16="http://schemas.microsoft.com/office/drawing/2014/main" id="{D96692AF-C521-46F4-ABA9-0AF63156C9BC}"/>
+                <a16:creationId xmlns:a16="http://schemas.microsoft.com/office/drawing/2014/main" xmlns="" id="{D96692AF-C521-46F4-ABA9-0AF63156C9BC}"/>
               </a:ext>
             </a:extLst>
           </p:cNvPr>
@@ -4713,7 +4737,7 @@
           <p:cNvPr id="3" name="그림 2">
             <a:extLst>
               <a:ext uri="{FF2B5EF4-FFF2-40B4-BE49-F238E27FC236}">
-                <a16:creationId xmlns:a16="http://schemas.microsoft.com/office/drawing/2014/main" id="{2938D601-1BEA-4CDC-8473-28BA11736DE0}"/>
+                <a16:creationId xmlns:a16="http://schemas.microsoft.com/office/drawing/2014/main" xmlns="" id="{2938D601-1BEA-4CDC-8473-28BA11736DE0}"/>
               </a:ext>
             </a:extLst>
           </p:cNvPr>
@@ -4953,7 +4977,7 @@
           <p:cNvPr id="5" name="그림 4">
             <a:extLst>
               <a:ext uri="{FF2B5EF4-FFF2-40B4-BE49-F238E27FC236}">
-                <a16:creationId xmlns:a16="http://schemas.microsoft.com/office/drawing/2014/main" id="{2FA99264-31A0-458D-AED6-FF836F69D2CD}"/>
+                <a16:creationId xmlns:a16="http://schemas.microsoft.com/office/drawing/2014/main" xmlns="" id="{2FA99264-31A0-458D-AED6-FF836F69D2CD}"/>
               </a:ext>
             </a:extLst>
           </p:cNvPr>
@@ -5001,7 +5025,7 @@
           <p:cNvPr id="14" name="표 4">
             <a:extLst>
               <a:ext uri="{FF2B5EF4-FFF2-40B4-BE49-F238E27FC236}">
-                <a16:creationId xmlns:a16="http://schemas.microsoft.com/office/drawing/2014/main" id="{9C5FC82B-03E6-44CA-8982-998AECFAE9E1}"/>
+                <a16:creationId xmlns:a16="http://schemas.microsoft.com/office/drawing/2014/main" xmlns="" id="{9C5FC82B-03E6-44CA-8982-998AECFAE9E1}"/>
               </a:ext>
             </a:extLst>
           </p:cNvPr>
@@ -5030,14 +5054,14 @@
                 <a:gridCol w="1584643">
                   <a:extLst>
                     <a:ext uri="{9D8B030D-6E8A-4147-A177-3AD203B41FA5}">
-                      <a16:colId xmlns:a16="http://schemas.microsoft.com/office/drawing/2014/main" val="2976650750"/>
+                      <a16:colId xmlns:a16="http://schemas.microsoft.com/office/drawing/2014/main" xmlns="" val="2976650750"/>
                     </a:ext>
                   </a:extLst>
                 </a:gridCol>
                 <a:gridCol w="4739187">
                   <a:extLst>
                     <a:ext uri="{9D8B030D-6E8A-4147-A177-3AD203B41FA5}">
-                      <a16:colId xmlns:a16="http://schemas.microsoft.com/office/drawing/2014/main" val="1986540227"/>
+                      <a16:colId xmlns:a16="http://schemas.microsoft.com/office/drawing/2014/main" xmlns="" val="1986540227"/>
                     </a:ext>
                   </a:extLst>
                 </a:gridCol>
@@ -5167,7 +5191,7 @@
                 </a:tc>
                 <a:extLst>
                   <a:ext uri="{0D108BD9-81ED-4DB2-BD59-A6C34878D82A}">
-                    <a16:rowId xmlns:a16="http://schemas.microsoft.com/office/drawing/2014/main" val="1809988109"/>
+                    <a16:rowId xmlns:a16="http://schemas.microsoft.com/office/drawing/2014/main" xmlns="" val="1809988109"/>
                   </a:ext>
                 </a:extLst>
               </a:tr>
@@ -5307,7 +5331,7 @@
                 </a:tc>
                 <a:extLst>
                   <a:ext uri="{0D108BD9-81ED-4DB2-BD59-A6C34878D82A}">
-                    <a16:rowId xmlns:a16="http://schemas.microsoft.com/office/drawing/2014/main" val="557787794"/>
+                    <a16:rowId xmlns:a16="http://schemas.microsoft.com/office/drawing/2014/main" xmlns="" val="557787794"/>
                   </a:ext>
                 </a:extLst>
               </a:tr>
@@ -5429,7 +5453,7 @@
                 </a:tc>
                 <a:extLst>
                   <a:ext uri="{0D108BD9-81ED-4DB2-BD59-A6C34878D82A}">
-                    <a16:rowId xmlns:a16="http://schemas.microsoft.com/office/drawing/2014/main" val="473194082"/>
+                    <a16:rowId xmlns:a16="http://schemas.microsoft.com/office/drawing/2014/main" xmlns="" val="473194082"/>
                   </a:ext>
                 </a:extLst>
               </a:tr>
@@ -5586,7 +5610,7 @@
                 </a:tc>
                 <a:extLst>
                   <a:ext uri="{0D108BD9-81ED-4DB2-BD59-A6C34878D82A}">
-                    <a16:rowId xmlns:a16="http://schemas.microsoft.com/office/drawing/2014/main" val="1120644675"/>
+                    <a16:rowId xmlns:a16="http://schemas.microsoft.com/office/drawing/2014/main" xmlns="" val="1120644675"/>
                   </a:ext>
                 </a:extLst>
               </a:tr>
@@ -5708,7 +5732,7 @@
                 </a:tc>
                 <a:extLst>
                   <a:ext uri="{0D108BD9-81ED-4DB2-BD59-A6C34878D82A}">
-                    <a16:rowId xmlns:a16="http://schemas.microsoft.com/office/drawing/2014/main" val="1353145719"/>
+                    <a16:rowId xmlns:a16="http://schemas.microsoft.com/office/drawing/2014/main" xmlns="" val="1353145719"/>
                   </a:ext>
                 </a:extLst>
               </a:tr>
@@ -5830,7 +5854,7 @@
                 </a:tc>
                 <a:extLst>
                   <a:ext uri="{0D108BD9-81ED-4DB2-BD59-A6C34878D82A}">
-                    <a16:rowId xmlns:a16="http://schemas.microsoft.com/office/drawing/2014/main" val="2760805768"/>
+                    <a16:rowId xmlns:a16="http://schemas.microsoft.com/office/drawing/2014/main" xmlns="" val="2760805768"/>
                   </a:ext>
                 </a:extLst>
               </a:tr>
@@ -5843,7 +5867,7 @@
           <p:cNvPr id="13" name="TextBox 12">
             <a:extLst>
               <a:ext uri="{FF2B5EF4-FFF2-40B4-BE49-F238E27FC236}">
-                <a16:creationId xmlns:a16="http://schemas.microsoft.com/office/drawing/2014/main" id="{1D0FF28A-C747-401E-8637-8A04BA2EE1C3}"/>
+                <a16:creationId xmlns:a16="http://schemas.microsoft.com/office/drawing/2014/main" xmlns="" id="{1D0FF28A-C747-401E-8637-8A04BA2EE1C3}"/>
               </a:ext>
             </a:extLst>
           </p:cNvPr>
@@ -5934,7 +5958,7 @@
           <p:cNvPr id="2" name="그림 1">
             <a:extLst>
               <a:ext uri="{FF2B5EF4-FFF2-40B4-BE49-F238E27FC236}">
-                <a16:creationId xmlns:a16="http://schemas.microsoft.com/office/drawing/2014/main" id="{226443EE-10C7-4F08-BC37-C19225098F8E}"/>
+                <a16:creationId xmlns:a16="http://schemas.microsoft.com/office/drawing/2014/main" xmlns="" id="{226443EE-10C7-4F08-BC37-C19225098F8E}"/>
               </a:ext>
             </a:extLst>
           </p:cNvPr>
@@ -5964,7 +5988,7 @@
           <p:cNvPr id="8" name="TextBox 7">
             <a:extLst>
               <a:ext uri="{FF2B5EF4-FFF2-40B4-BE49-F238E27FC236}">
-                <a16:creationId xmlns:a16="http://schemas.microsoft.com/office/drawing/2014/main" id="{22448250-ECDC-417D-8839-33A25677F8C9}"/>
+                <a16:creationId xmlns:a16="http://schemas.microsoft.com/office/drawing/2014/main" xmlns="" id="{22448250-ECDC-417D-8839-33A25677F8C9}"/>
               </a:ext>
             </a:extLst>
           </p:cNvPr>
@@ -6065,7 +6089,7 @@
           <p:cNvPr id="8" name="TextBox 7">
             <a:extLst>
               <a:ext uri="{FF2B5EF4-FFF2-40B4-BE49-F238E27FC236}">
-                <a16:creationId xmlns:a16="http://schemas.microsoft.com/office/drawing/2014/main" id="{22448250-ECDC-417D-8839-33A25677F8C9}"/>
+                <a16:creationId xmlns:a16="http://schemas.microsoft.com/office/drawing/2014/main" xmlns="" id="{22448250-ECDC-417D-8839-33A25677F8C9}"/>
               </a:ext>
             </a:extLst>
           </p:cNvPr>
@@ -6136,7 +6160,7 @@
           <p:cNvPr id="3" name="그림 2">
             <a:extLst>
               <a:ext uri="{FF2B5EF4-FFF2-40B4-BE49-F238E27FC236}">
-                <a16:creationId xmlns:a16="http://schemas.microsoft.com/office/drawing/2014/main" id="{55CA351A-4666-415A-94F5-0E53B7B120E9}"/>
+                <a16:creationId xmlns:a16="http://schemas.microsoft.com/office/drawing/2014/main" xmlns="" id="{55CA351A-4666-415A-94F5-0E53B7B120E9}"/>
               </a:ext>
             </a:extLst>
           </p:cNvPr>
@@ -6166,7 +6190,7 @@
           <p:cNvPr id="4" name="그림 3">
             <a:extLst>
               <a:ext uri="{FF2B5EF4-FFF2-40B4-BE49-F238E27FC236}">
-                <a16:creationId xmlns:a16="http://schemas.microsoft.com/office/drawing/2014/main" id="{7944E8B6-F6B0-4461-906C-476F3EDBDEB6}"/>
+                <a16:creationId xmlns:a16="http://schemas.microsoft.com/office/drawing/2014/main" xmlns="" id="{7944E8B6-F6B0-4461-906C-476F3EDBDEB6}"/>
               </a:ext>
             </a:extLst>
           </p:cNvPr>
@@ -6226,7 +6250,7 @@
           <p:cNvPr id="8" name="TextBox 7">
             <a:extLst>
               <a:ext uri="{FF2B5EF4-FFF2-40B4-BE49-F238E27FC236}">
-                <a16:creationId xmlns:a16="http://schemas.microsoft.com/office/drawing/2014/main" id="{22448250-ECDC-417D-8839-33A25677F8C9}"/>
+                <a16:creationId xmlns:a16="http://schemas.microsoft.com/office/drawing/2014/main" xmlns="" id="{22448250-ECDC-417D-8839-33A25677F8C9}"/>
               </a:ext>
             </a:extLst>
           </p:cNvPr>
@@ -6317,7 +6341,7 @@
           <p:cNvPr id="3" name="그림 2">
             <a:extLst>
               <a:ext uri="{FF2B5EF4-FFF2-40B4-BE49-F238E27FC236}">
-                <a16:creationId xmlns:a16="http://schemas.microsoft.com/office/drawing/2014/main" id="{4FD1F118-7C47-4418-9EB7-5BFDF0785254}"/>
+                <a16:creationId xmlns:a16="http://schemas.microsoft.com/office/drawing/2014/main" xmlns="" id="{4FD1F118-7C47-4418-9EB7-5BFDF0785254}"/>
               </a:ext>
             </a:extLst>
           </p:cNvPr>
@@ -6377,7 +6401,7 @@
           <p:cNvPr id="8" name="TextBox 7">
             <a:extLst>
               <a:ext uri="{FF2B5EF4-FFF2-40B4-BE49-F238E27FC236}">
-                <a16:creationId xmlns:a16="http://schemas.microsoft.com/office/drawing/2014/main" id="{22448250-ECDC-417D-8839-33A25677F8C9}"/>
+                <a16:creationId xmlns:a16="http://schemas.microsoft.com/office/drawing/2014/main" xmlns="" id="{22448250-ECDC-417D-8839-33A25677F8C9}"/>
               </a:ext>
             </a:extLst>
           </p:cNvPr>
@@ -6448,7 +6472,7 @@
           <p:cNvPr id="2" name="그림 1">
             <a:extLst>
               <a:ext uri="{FF2B5EF4-FFF2-40B4-BE49-F238E27FC236}">
-                <a16:creationId xmlns:a16="http://schemas.microsoft.com/office/drawing/2014/main" id="{1368ECBC-D196-49FA-B51B-FF8B0891F7FF}"/>
+                <a16:creationId xmlns:a16="http://schemas.microsoft.com/office/drawing/2014/main" xmlns="" id="{1368ECBC-D196-49FA-B51B-FF8B0891F7FF}"/>
               </a:ext>
             </a:extLst>
           </p:cNvPr>
@@ -6478,7 +6502,7 @@
           <p:cNvPr id="5" name="그림 4">
             <a:extLst>
               <a:ext uri="{FF2B5EF4-FFF2-40B4-BE49-F238E27FC236}">
-                <a16:creationId xmlns:a16="http://schemas.microsoft.com/office/drawing/2014/main" id="{14DE7744-934A-4D3E-A4E8-09A31710711B}"/>
+                <a16:creationId xmlns:a16="http://schemas.microsoft.com/office/drawing/2014/main" xmlns="" id="{14DE7744-934A-4D3E-A4E8-09A31710711B}"/>
               </a:ext>
             </a:extLst>
           </p:cNvPr>
@@ -6538,7 +6562,7 @@
           <p:cNvPr id="8" name="TextBox 7">
             <a:extLst>
               <a:ext uri="{FF2B5EF4-FFF2-40B4-BE49-F238E27FC236}">
-                <a16:creationId xmlns:a16="http://schemas.microsoft.com/office/drawing/2014/main" id="{22448250-ECDC-417D-8839-33A25677F8C9}"/>
+                <a16:creationId xmlns:a16="http://schemas.microsoft.com/office/drawing/2014/main" xmlns="" id="{22448250-ECDC-417D-8839-33A25677F8C9}"/>
               </a:ext>
             </a:extLst>
           </p:cNvPr>
@@ -6609,7 +6633,7 @@
           <p:cNvPr id="3" name="그림 2">
             <a:extLst>
               <a:ext uri="{FF2B5EF4-FFF2-40B4-BE49-F238E27FC236}">
-                <a16:creationId xmlns:a16="http://schemas.microsoft.com/office/drawing/2014/main" id="{0964FA7C-D57F-4D7C-84E4-2F8052AF2150}"/>
+                <a16:creationId xmlns:a16="http://schemas.microsoft.com/office/drawing/2014/main" xmlns="" id="{0964FA7C-D57F-4D7C-84E4-2F8052AF2150}"/>
               </a:ext>
             </a:extLst>
           </p:cNvPr>
